--- a/15_hands_on/smdm_rct_nrs_handson.pptx
+++ b/15_hands_on/smdm_rct_nrs_handson.pptx
@@ -5,7 +5,7 @@
     <p:sldMasterId id="2147483660" r:id="rId1"/>
   </p:sldMasterIdLst>
   <p:notesMasterIdLst>
-    <p:notesMasterId r:id="rId21"/>
+    <p:notesMasterId r:id="rId20"/>
   </p:notesMasterIdLst>
   <p:sldIdLst>
     <p:sldId id="267" r:id="rId2"/>
@@ -26,7 +26,6 @@
     <p:sldId id="259" r:id="rId17"/>
     <p:sldId id="260" r:id="rId18"/>
     <p:sldId id="261" r:id="rId19"/>
-    <p:sldId id="262" r:id="rId20"/>
   </p:sldIdLst>
   <p:sldSz cx="9144000" cy="6858000" type="screen4x3"/>
   <p:notesSz cx="6858000" cy="9144000"/>
@@ -215,7 +214,7 @@
           <a:p>
             <a:fld id="{A41E1A9F-5165-4C9F-93EE-0DF9E05B3128}" type="datetimeFigureOut">
               <a:rPr lang="en-CA" smtClean="0"/>
-              <a:t>2018-09-26</a:t>
+              <a:t>2018-10-02</a:t>
             </a:fld>
             <a:endParaRPr lang="en-CA"/>
           </a:p>
@@ -837,7 +836,7 @@
                 </a:solidFill>
               </a:rPr>
               <a:pPr/>
-              <a:t>9/26/2018</a:t>
+              <a:t>10/2/2018</a:t>
             </a:fld>
             <a:endParaRPr lang="en-US">
               <a:solidFill>
@@ -1037,7 +1036,7 @@
                 </a:solidFill>
               </a:rPr>
               <a:pPr/>
-              <a:t>9/26/2018</a:t>
+              <a:t>10/2/2018</a:t>
             </a:fld>
             <a:endParaRPr lang="en-US">
               <a:solidFill>
@@ -1247,7 +1246,7 @@
                 </a:solidFill>
               </a:rPr>
               <a:pPr/>
-              <a:t>9/26/2018</a:t>
+              <a:t>10/2/2018</a:t>
             </a:fld>
             <a:endParaRPr lang="en-US">
               <a:solidFill>
@@ -1447,7 +1446,7 @@
                 </a:solidFill>
               </a:rPr>
               <a:pPr/>
-              <a:t>9/26/2018</a:t>
+              <a:t>10/2/2018</a:t>
             </a:fld>
             <a:endParaRPr lang="en-US">
               <a:solidFill>
@@ -1724,7 +1723,7 @@
                 </a:solidFill>
               </a:rPr>
               <a:pPr/>
-              <a:t>9/26/2018</a:t>
+              <a:t>10/2/2018</a:t>
             </a:fld>
             <a:endParaRPr lang="en-US">
               <a:solidFill>
@@ -2041,7 +2040,7 @@
                 </a:solidFill>
               </a:rPr>
               <a:pPr/>
-              <a:t>9/26/2018</a:t>
+              <a:t>10/2/2018</a:t>
             </a:fld>
             <a:endParaRPr lang="en-US">
               <a:solidFill>
@@ -2492,7 +2491,7 @@
                 </a:solidFill>
               </a:rPr>
               <a:pPr/>
-              <a:t>9/26/2018</a:t>
+              <a:t>10/2/2018</a:t>
             </a:fld>
             <a:endParaRPr lang="en-US">
               <a:solidFill>
@@ -2641,7 +2640,7 @@
                 </a:solidFill>
               </a:rPr>
               <a:pPr/>
-              <a:t>9/26/2018</a:t>
+              <a:t>10/2/2018</a:t>
             </a:fld>
             <a:endParaRPr lang="en-US">
               <a:solidFill>
@@ -2768,7 +2767,7 @@
                 </a:solidFill>
               </a:rPr>
               <a:pPr/>
-              <a:t>9/26/2018</a:t>
+              <a:t>10/2/2018</a:t>
             </a:fld>
             <a:endParaRPr lang="en-US">
               <a:solidFill>
@@ -3075,7 +3074,7 @@
                 </a:solidFill>
               </a:rPr>
               <a:pPr/>
-              <a:t>9/26/2018</a:t>
+              <a:t>10/2/2018</a:t>
             </a:fld>
             <a:endParaRPr lang="en-US">
               <a:solidFill>
@@ -3362,7 +3361,7 @@
                 </a:solidFill>
               </a:rPr>
               <a:pPr/>
-              <a:t>9/26/2018</a:t>
+              <a:t>10/2/2018</a:t>
             </a:fld>
             <a:endParaRPr lang="en-US">
               <a:solidFill>
@@ -3606,7 +3605,7 @@
                 </a:solidFill>
               </a:rPr>
               <a:pPr defTabSz="457200"/>
-              <a:t>9/26/2018</a:t>
+              <a:t>10/2/2018</a:t>
             </a:fld>
             <a:endParaRPr lang="en-US">
               <a:solidFill>
@@ -4120,10 +4119,9 @@
           <a:lstStyle/>
           <a:p>
             <a:r>
-              <a:rPr lang="en-US" dirty="0" smtClean="0"/>
+              <a:rPr lang="en-US" dirty="0"/>
               <a:t>Agenda</a:t>
             </a:r>
-            <a:endParaRPr lang="en-US" dirty="0"/>
           </a:p>
         </p:txBody>
       </p:sp>
@@ -4147,7 +4145,7 @@
               <a:buChar char="§"/>
             </a:pPr>
             <a:r>
-              <a:rPr lang="en-US" dirty="0" smtClean="0"/>
+              <a:rPr lang="en-US" dirty="0"/>
               <a:t>Software overview and installation</a:t>
             </a:r>
           </a:p>
@@ -4157,7 +4155,7 @@
               <a:buChar char="§"/>
             </a:pPr>
             <a:r>
-              <a:rPr lang="en-US" dirty="0" smtClean="0"/>
+              <a:rPr lang="en-US" dirty="0"/>
               <a:t>Running NRS/RCT Meta-analysis in R</a:t>
             </a:r>
           </a:p>
@@ -4167,15 +4165,15 @@
               <a:buChar char="§"/>
             </a:pPr>
             <a:r>
-              <a:rPr lang="en-US" dirty="0" smtClean="0"/>
+              <a:rPr lang="en-US" dirty="0"/>
               <a:t>Overview of </a:t>
             </a:r>
             <a:r>
-              <a:rPr lang="en-US" dirty="0" err="1" smtClean="0"/>
+              <a:rPr lang="en-US" dirty="0" err="1"/>
               <a:t>WinBUGS</a:t>
             </a:r>
             <a:r>
-              <a:rPr lang="en-US" dirty="0" smtClean="0"/>
+              <a:rPr lang="en-US" dirty="0"/>
               <a:t> code</a:t>
             </a:r>
           </a:p>
@@ -4185,7 +4183,7 @@
               <a:buChar char="§"/>
             </a:pPr>
             <a:r>
-              <a:rPr lang="en-US" dirty="0" smtClean="0"/>
+              <a:rPr lang="en-US" dirty="0"/>
               <a:t>Down-weighting</a:t>
             </a:r>
           </a:p>
@@ -4195,7 +4193,7 @@
               <a:buChar char="§"/>
             </a:pPr>
             <a:r>
-              <a:rPr lang="en-US" dirty="0" smtClean="0"/>
+              <a:rPr lang="en-US" dirty="0"/>
               <a:t>Bias adjustment</a:t>
             </a:r>
           </a:p>
@@ -4205,7 +4203,7 @@
               <a:buChar char="§"/>
             </a:pPr>
             <a:r>
-              <a:rPr lang="en-US" dirty="0" smtClean="0"/>
+              <a:rPr lang="en-US" dirty="0"/>
               <a:t>Three-level models</a:t>
             </a:r>
           </a:p>
@@ -4215,10 +4213,9 @@
               <a:buChar char="§"/>
             </a:pPr>
             <a:r>
-              <a:rPr lang="en-US" dirty="0" smtClean="0"/>
+              <a:rPr lang="en-US" dirty="0"/>
               <a:t>Hands on application using three-level models</a:t>
             </a:r>
-            <a:endParaRPr lang="en-US" dirty="0"/>
           </a:p>
         </p:txBody>
       </p:sp>
@@ -4268,10 +4265,9 @@
           <a:lstStyle/>
           <a:p>
             <a:r>
-              <a:rPr lang="en-US" dirty="0" smtClean="0"/>
+              <a:rPr lang="en-US" dirty="0"/>
               <a:t>Basic Meta-Analysis Code</a:t>
             </a:r>
-            <a:endParaRPr lang="en-US" dirty="0"/>
           </a:p>
         </p:txBody>
       </p:sp>
@@ -4369,10 +4365,9 @@
           <a:lstStyle/>
           <a:p>
             <a:r>
-              <a:rPr lang="en-US" dirty="0" smtClean="0"/>
+              <a:rPr lang="en-US" dirty="0"/>
               <a:t>Absolute effects</a:t>
             </a:r>
-            <a:endParaRPr lang="en-US" dirty="0"/>
           </a:p>
         </p:txBody>
       </p:sp>
@@ -4386,13 +4381,6 @@
   <p:clrMapOvr>
     <a:masterClrMapping/>
   </p:clrMapOvr>
-  <p:timing>
-    <p:tnLst>
-      <p:par>
-        <p:cTn id="1" dur="indefinite" restart="never" nodeType="tmRoot"/>
-      </p:par>
-    </p:tnLst>
-  </p:timing>
 </p:sld>
 </file>
 
@@ -4429,10 +4417,9 @@
           <a:lstStyle/>
           <a:p>
             <a:r>
-              <a:rPr lang="en-US" dirty="0" smtClean="0"/>
+              <a:rPr lang="en-US" dirty="0"/>
               <a:t>Basic Meta-Analysis Code</a:t>
             </a:r>
-            <a:endParaRPr lang="en-US" dirty="0"/>
           </a:p>
         </p:txBody>
       </p:sp>
@@ -4530,10 +4517,9 @@
           <a:lstStyle/>
           <a:p>
             <a:r>
-              <a:rPr lang="en-US" dirty="0" smtClean="0"/>
+              <a:rPr lang="en-US" dirty="0"/>
               <a:t>Odds ratios and Relative Risks</a:t>
             </a:r>
-            <a:endParaRPr lang="en-US" dirty="0"/>
           </a:p>
         </p:txBody>
       </p:sp>
@@ -4547,13 +4533,6 @@
   <p:clrMapOvr>
     <a:masterClrMapping/>
   </p:clrMapOvr>
-  <p:timing>
-    <p:tnLst>
-      <p:par>
-        <p:cTn id="1" dur="indefinite" restart="never" nodeType="tmRoot"/>
-      </p:par>
-    </p:tnLst>
-  </p:timing>
 </p:sld>
 </file>
 
@@ -4592,10 +4571,9 @@
           <a:lstStyle/>
           <a:p>
             <a:r>
-              <a:rPr lang="en-US" dirty="0" smtClean="0"/>
+              <a:rPr lang="en-US" dirty="0"/>
               <a:t>Variance Inflation (option 1)</a:t>
             </a:r>
-            <a:endParaRPr lang="en-US" dirty="0"/>
           </a:p>
         </p:txBody>
       </p:sp>
@@ -4626,7 +4604,7 @@
               <a:buChar char="§"/>
             </a:pPr>
             <a:r>
-              <a:rPr lang="en-US" dirty="0" smtClean="0"/>
+              <a:rPr lang="en-US" dirty="0"/>
               <a:t>Multiply the likelihood by an inflation factor (aka “power prior”)</a:t>
             </a:r>
           </a:p>
@@ -4636,10 +4614,9 @@
               <a:buChar char="§"/>
             </a:pPr>
             <a:r>
-              <a:rPr lang="en-US" dirty="0" smtClean="0"/>
+              <a:rPr lang="en-US" dirty="0"/>
               <a:t>Bit of work to implement (see below, “zeroes trick”) but straightforward interpretation (down weighting trial by x%)</a:t>
             </a:r>
-            <a:endParaRPr lang="en-US" dirty="0"/>
           </a:p>
         </p:txBody>
       </p:sp>
@@ -4724,13 +4701,6 @@
   <p:clrMapOvr>
     <a:masterClrMapping/>
   </p:clrMapOvr>
-  <p:timing>
-    <p:tnLst>
-      <p:par>
-        <p:cTn id="1" dur="indefinite" restart="never" nodeType="tmRoot"/>
-      </p:par>
-    </p:tnLst>
-  </p:timing>
 </p:sld>
 </file>
 
@@ -4769,10 +4739,9 @@
           <a:lstStyle/>
           <a:p>
             <a:r>
-              <a:rPr lang="en-US" dirty="0" smtClean="0"/>
+              <a:rPr lang="en-US" dirty="0"/>
               <a:t>Variance Inflation (option 2)</a:t>
             </a:r>
-            <a:endParaRPr lang="en-US" dirty="0"/>
           </a:p>
         </p:txBody>
       </p:sp>
@@ -4803,7 +4772,7 @@
               <a:buChar char="§"/>
             </a:pPr>
             <a:r>
-              <a:rPr lang="en-US" dirty="0" smtClean="0"/>
+              <a:rPr lang="en-US" dirty="0"/>
               <a:t>Multiply the variance of the random effect by an inflation factor</a:t>
             </a:r>
           </a:p>
@@ -4813,7 +4782,7 @@
               <a:buChar char="§"/>
             </a:pPr>
             <a:r>
-              <a:rPr lang="en-US" dirty="0" smtClean="0"/>
+              <a:rPr lang="en-US" dirty="0"/>
               <a:t>Used in three level models, reduces the amount that a group of studies contribute to overall estimate but not exactly a one to one reduction</a:t>
             </a:r>
           </a:p>
@@ -4947,13 +4916,6 @@
   <p:clrMapOvr>
     <a:masterClrMapping/>
   </p:clrMapOvr>
-  <p:timing>
-    <p:tnLst>
-      <p:par>
-        <p:cTn id="1" dur="indefinite" restart="never" nodeType="tmRoot"/>
-      </p:par>
-    </p:tnLst>
-  </p:timing>
 </p:sld>
 </file>
 
@@ -4992,10 +4954,9 @@
           <a:lstStyle/>
           <a:p>
             <a:r>
-              <a:rPr lang="en-US" dirty="0" smtClean="0"/>
+              <a:rPr lang="en-US" dirty="0"/>
               <a:t>Bias Adjustment</a:t>
             </a:r>
-            <a:endParaRPr lang="en-US" dirty="0"/>
           </a:p>
         </p:txBody>
       </p:sp>
@@ -5026,7 +4987,7 @@
               <a:buChar char="§"/>
             </a:pPr>
             <a:r>
-              <a:rPr lang="en-US" dirty="0" smtClean="0"/>
+              <a:rPr lang="en-US" dirty="0"/>
               <a:t>Deterministic</a:t>
             </a:r>
           </a:p>
@@ -5035,14 +4996,14 @@
               <a:buFont typeface="Wingdings" panose="05000000000000000000" pitchFamily="2" charset="2"/>
               <a:buChar char="§"/>
             </a:pPr>
-            <a:endParaRPr lang="en-US" dirty="0" smtClean="0"/>
+            <a:endParaRPr lang="en-US" dirty="0"/>
           </a:p>
           <a:p>
             <a:pPr>
               <a:buFont typeface="Wingdings" panose="05000000000000000000" pitchFamily="2" charset="2"/>
               <a:buChar char="§"/>
             </a:pPr>
-            <a:endParaRPr lang="en-US" dirty="0" smtClean="0"/>
+            <a:endParaRPr lang="en-US" dirty="0"/>
           </a:p>
           <a:p>
             <a:pPr>
@@ -5050,7 +5011,7 @@
               <a:buChar char="§"/>
             </a:pPr>
             <a:r>
-              <a:rPr lang="en-US" dirty="0" smtClean="0"/>
+              <a:rPr lang="en-US" dirty="0"/>
               <a:t>Uncertain</a:t>
             </a:r>
           </a:p>
@@ -5060,7 +5021,7 @@
               <a:buChar char="§"/>
             </a:pPr>
             <a:r>
-              <a:rPr lang="en-US" dirty="0" smtClean="0"/>
+              <a:rPr lang="en-US" dirty="0"/>
               <a:t>No variance inflation required</a:t>
             </a:r>
           </a:p>
@@ -5368,7 +5329,7 @@
           <p:cNvPr id="4" name="Title 3">
             <a:extLst>
               <a:ext uri="{FF2B5EF4-FFF2-40B4-BE49-F238E27FC236}">
-                <a16:creationId xmlns:a16="http://schemas.microsoft.com/office/drawing/2014/main" xmlns="" id="{BFB5A100-BED5-4146-8F69-B700EAA35866}"/>
+                <a16:creationId xmlns:a16="http://schemas.microsoft.com/office/drawing/2014/main" id="{BFB5A100-BED5-4146-8F69-B700EAA35866}"/>
               </a:ext>
             </a:extLst>
           </p:cNvPr>
@@ -5426,7 +5387,7 @@
           <p:cNvPr id="2" name="Title 1">
             <a:extLst>
               <a:ext uri="{FF2B5EF4-FFF2-40B4-BE49-F238E27FC236}">
-                <a16:creationId xmlns:a16="http://schemas.microsoft.com/office/drawing/2014/main" xmlns="" id="{162A4811-6533-4037-8E45-CA554965D5CE}"/>
+                <a16:creationId xmlns:a16="http://schemas.microsoft.com/office/drawing/2014/main" id="{162A4811-6533-4037-8E45-CA554965D5CE}"/>
               </a:ext>
             </a:extLst>
           </p:cNvPr>
@@ -5454,7 +5415,7 @@
           <p:cNvPr id="5" name="Content Placeholder 4">
             <a:extLst>
               <a:ext uri="{FF2B5EF4-FFF2-40B4-BE49-F238E27FC236}">
-                <a16:creationId xmlns:a16="http://schemas.microsoft.com/office/drawing/2014/main" xmlns="" id="{4F9F5F10-8C42-4E7E-BE9F-98B133FCD133}"/>
+                <a16:creationId xmlns:a16="http://schemas.microsoft.com/office/drawing/2014/main" id="{4F9F5F10-8C42-4E7E-BE9F-98B133FCD133}"/>
               </a:ext>
             </a:extLst>
           </p:cNvPr>
@@ -5552,7 +5513,7 @@
           <p:cNvPr id="6" name="Picture 5">
             <a:extLst>
               <a:ext uri="{FF2B5EF4-FFF2-40B4-BE49-F238E27FC236}">
-                <a16:creationId xmlns:a16="http://schemas.microsoft.com/office/drawing/2014/main" xmlns="" id="{CE89193A-279B-48DD-9BFC-20521E718617}"/>
+                <a16:creationId xmlns:a16="http://schemas.microsoft.com/office/drawing/2014/main" id="{CE89193A-279B-48DD-9BFC-20521E718617}"/>
               </a:ext>
             </a:extLst>
           </p:cNvPr>
@@ -5610,7 +5571,7 @@
           <p:cNvPr id="2" name="Title 1">
             <a:extLst>
               <a:ext uri="{FF2B5EF4-FFF2-40B4-BE49-F238E27FC236}">
-                <a16:creationId xmlns:a16="http://schemas.microsoft.com/office/drawing/2014/main" xmlns="" id="{36E01968-1C06-4E54-B40D-A5AC4E5036D0}"/>
+                <a16:creationId xmlns:a16="http://schemas.microsoft.com/office/drawing/2014/main" id="{36E01968-1C06-4E54-B40D-A5AC4E5036D0}"/>
               </a:ext>
             </a:extLst>
           </p:cNvPr>
@@ -5638,7 +5599,7 @@
           <p:cNvPr id="3" name="Content Placeholder 2">
             <a:extLst>
               <a:ext uri="{FF2B5EF4-FFF2-40B4-BE49-F238E27FC236}">
-                <a16:creationId xmlns:a16="http://schemas.microsoft.com/office/drawing/2014/main" xmlns="" id="{7BCD6D95-2B90-496E-A8D9-55AC201D1F86}"/>
+                <a16:creationId xmlns:a16="http://schemas.microsoft.com/office/drawing/2014/main" id="{7BCD6D95-2B90-496E-A8D9-55AC201D1F86}"/>
               </a:ext>
             </a:extLst>
           </p:cNvPr>
@@ -5697,7 +5658,7 @@
           <p:cNvPr id="4" name="Picture 3" descr="cid:image002.png@01D44EC4.D15BADF0">
             <a:extLst>
               <a:ext uri="{FF2B5EF4-FFF2-40B4-BE49-F238E27FC236}">
-                <a16:creationId xmlns:a16="http://schemas.microsoft.com/office/drawing/2014/main" xmlns="" id="{7D347DF1-5F0A-4CB9-A4B3-7F555F8A01D7}"/>
+                <a16:creationId xmlns:a16="http://schemas.microsoft.com/office/drawing/2014/main" id="{7D347DF1-5F0A-4CB9-A4B3-7F555F8A01D7}"/>
               </a:ext>
             </a:extLst>
           </p:cNvPr>
@@ -5766,7 +5727,7 @@
           <p:cNvPr id="2" name="Title 1">
             <a:extLst>
               <a:ext uri="{FF2B5EF4-FFF2-40B4-BE49-F238E27FC236}">
-                <a16:creationId xmlns:a16="http://schemas.microsoft.com/office/drawing/2014/main" xmlns="" id="{36E01968-1C06-4E54-B40D-A5AC4E5036D0}"/>
+                <a16:creationId xmlns:a16="http://schemas.microsoft.com/office/drawing/2014/main" id="{36E01968-1C06-4E54-B40D-A5AC4E5036D0}"/>
               </a:ext>
             </a:extLst>
           </p:cNvPr>
@@ -5794,7 +5755,7 @@
           <p:cNvPr id="3" name="Content Placeholder 2">
             <a:extLst>
               <a:ext uri="{FF2B5EF4-FFF2-40B4-BE49-F238E27FC236}">
-                <a16:creationId xmlns:a16="http://schemas.microsoft.com/office/drawing/2014/main" xmlns="" id="{7BCD6D95-2B90-496E-A8D9-55AC201D1F86}"/>
+                <a16:creationId xmlns:a16="http://schemas.microsoft.com/office/drawing/2014/main" id="{7BCD6D95-2B90-496E-A8D9-55AC201D1F86}"/>
               </a:ext>
             </a:extLst>
           </p:cNvPr>
@@ -5862,89 +5823,6 @@
     <p:extLst>
       <p:ext uri="{BB962C8B-B14F-4D97-AF65-F5344CB8AC3E}">
         <p14:creationId xmlns:p14="http://schemas.microsoft.com/office/powerpoint/2010/main" val="2847059666"/>
-      </p:ext>
-    </p:extLst>
-  </p:cSld>
-  <p:clrMapOvr>
-    <a:masterClrMapping/>
-  </p:clrMapOvr>
-</p:sld>
-</file>
-
-<file path=ppt/slides/slide19.xml><?xml version="1.0" encoding="utf-8"?>
-<p:sld xmlns:a="http://schemas.openxmlformats.org/drawingml/2006/main" xmlns:r="http://schemas.openxmlformats.org/officeDocument/2006/relationships" xmlns:p="http://schemas.openxmlformats.org/presentationml/2006/main">
-  <p:cSld>
-    <p:spTree>
-      <p:nvGrpSpPr>
-        <p:cNvPr id="1" name=""/>
-        <p:cNvGrpSpPr/>
-        <p:nvPr/>
-      </p:nvGrpSpPr>
-      <p:grpSpPr>
-        <a:xfrm>
-          <a:off x="0" y="0"/>
-          <a:ext cx="0" cy="0"/>
-          <a:chOff x="0" y="0"/>
-          <a:chExt cx="0" cy="0"/>
-        </a:xfrm>
-      </p:grpSpPr>
-      <p:sp>
-        <p:nvSpPr>
-          <p:cNvPr id="2" name="Title 1">
-            <a:extLst>
-              <a:ext uri="{FF2B5EF4-FFF2-40B4-BE49-F238E27FC236}">
-                <a16:creationId xmlns:a16="http://schemas.microsoft.com/office/drawing/2014/main" xmlns="" id="{9A50EBD2-BDC4-4702-BB68-D23CF8A71008}"/>
-              </a:ext>
-            </a:extLst>
-          </p:cNvPr>
-          <p:cNvSpPr>
-            <a:spLocks noGrp="1"/>
-          </p:cNvSpPr>
-          <p:nvPr>
-            <p:ph type="title"/>
-          </p:nvPr>
-        </p:nvSpPr>
-        <p:spPr/>
-        <p:txBody>
-          <a:bodyPr/>
-          <a:lstStyle/>
-          <a:p>
-            <a:r>
-              <a:rPr lang="en-CA" dirty="0"/>
-              <a:t>Overview of Files</a:t>
-            </a:r>
-          </a:p>
-        </p:txBody>
-      </p:sp>
-      <p:sp>
-        <p:nvSpPr>
-          <p:cNvPr id="3" name="Content Placeholder 2">
-            <a:extLst>
-              <a:ext uri="{FF2B5EF4-FFF2-40B4-BE49-F238E27FC236}">
-                <a16:creationId xmlns:a16="http://schemas.microsoft.com/office/drawing/2014/main" xmlns="" id="{342C684E-4C47-4012-B59D-91857B80BEF3}"/>
-              </a:ext>
-            </a:extLst>
-          </p:cNvPr>
-          <p:cNvSpPr>
-            <a:spLocks noGrp="1"/>
-          </p:cNvSpPr>
-          <p:nvPr>
-            <p:ph idx="1"/>
-          </p:nvPr>
-        </p:nvSpPr>
-        <p:spPr/>
-        <p:txBody>
-          <a:bodyPr/>
-          <a:lstStyle/>
-          <a:p>
-            <a:endParaRPr lang="en-CA" dirty="0"/>
-          </a:p>
-        </p:txBody>
-      </p:sp>
-    </p:spTree>
-    <p:extLst>
-      <p:ext uri="{BB962C8B-B14F-4D97-AF65-F5344CB8AC3E}">
-        <p14:creationId xmlns:p14="http://schemas.microsoft.com/office/powerpoint/2010/main" val="166585372"/>
       </p:ext>
     </p:extLst>
   </p:cSld>
@@ -5987,10 +5865,9 @@
           <a:lstStyle/>
           <a:p>
             <a:r>
-              <a:rPr lang="en-US" dirty="0" smtClean="0"/>
+              <a:rPr lang="en-US" dirty="0"/>
               <a:t>Software overview</a:t>
             </a:r>
-            <a:endParaRPr lang="en-US" dirty="0"/>
           </a:p>
         </p:txBody>
       </p:sp>
@@ -6016,7 +5893,7 @@
               <a:buChar char="§"/>
             </a:pPr>
             <a:r>
-              <a:rPr lang="en-US" dirty="0" smtClean="0"/>
+              <a:rPr lang="en-US" dirty="0"/>
               <a:t>R</a:t>
             </a:r>
           </a:p>
@@ -6026,7 +5903,7 @@
               <a:buChar char="§"/>
             </a:pPr>
             <a:r>
-              <a:rPr lang="en-US" dirty="0" smtClean="0"/>
+              <a:rPr lang="en-US" dirty="0"/>
               <a:t>Open-source statistical software</a:t>
             </a:r>
           </a:p>
@@ -6036,7 +5913,7 @@
               <a:buChar char="§"/>
             </a:pPr>
             <a:r>
-              <a:rPr lang="en-US" dirty="0" smtClean="0"/>
+              <a:rPr lang="en-US" dirty="0"/>
               <a:t>Comes with basic functionality but most of the power comes from user-written packages which are downloaded from a central repository (CRAN)</a:t>
             </a:r>
           </a:p>
@@ -6046,7 +5923,7 @@
               <a:buChar char="§"/>
             </a:pPr>
             <a:r>
-              <a:rPr lang="en-US" dirty="0" smtClean="0"/>
+              <a:rPr lang="en-US" dirty="0"/>
               <a:t>R Studio</a:t>
             </a:r>
           </a:p>
@@ -6056,7 +5933,7 @@
               <a:buChar char="§"/>
             </a:pPr>
             <a:r>
-              <a:rPr lang="en-US" dirty="0" smtClean="0"/>
+              <a:rPr lang="en-US" dirty="0"/>
               <a:t>Integrated Development Environment for R. Makes day to day use of R more straightforward/user friendly.</a:t>
             </a:r>
           </a:p>
@@ -6066,7 +5943,7 @@
               <a:buChar char="§"/>
             </a:pPr>
             <a:r>
-              <a:rPr lang="en-US" dirty="0" smtClean="0"/>
+              <a:rPr lang="en-US" dirty="0"/>
               <a:t>JAGS </a:t>
             </a:r>
           </a:p>
@@ -6076,18 +5953,17 @@
               <a:buChar char="§"/>
             </a:pPr>
             <a:r>
-              <a:rPr lang="en-US" dirty="0" smtClean="0"/>
+              <a:rPr lang="en-US" dirty="0"/>
               <a:t>Allows for Bayesian analysis across platforms using language similar to </a:t>
             </a:r>
             <a:r>
-              <a:rPr lang="en-US" dirty="0" err="1" smtClean="0"/>
+              <a:rPr lang="en-US" dirty="0" err="1"/>
               <a:t>WinBUGS</a:t>
             </a:r>
             <a:r>
-              <a:rPr lang="en-US" dirty="0" smtClean="0"/>
+              <a:rPr lang="en-US" dirty="0"/>
               <a:t>. </a:t>
             </a:r>
-            <a:endParaRPr lang="en-US" dirty="0"/>
           </a:p>
         </p:txBody>
       </p:sp>
@@ -6137,10 +6013,9 @@
           <a:lstStyle/>
           <a:p>
             <a:r>
-              <a:rPr lang="en-US" dirty="0" smtClean="0"/>
+              <a:rPr lang="en-US" dirty="0"/>
               <a:t>Installation of R and R Studio</a:t>
             </a:r>
-            <a:endParaRPr lang="en-US" dirty="0"/>
           </a:p>
         </p:txBody>
       </p:sp>
@@ -6282,13 +6157,8 @@
           <a:p>
             <a:r>
               <a:rPr lang="en-CA" sz="2400" dirty="0"/>
-              <a:t>Install R Studio. Choose default installation options</a:t>
-            </a:r>
-            <a:r>
-              <a:rPr lang="en-CA" sz="2400" dirty="0" smtClean="0"/>
-              <a:t>.</a:t>
-            </a:r>
-            <a:endParaRPr lang="en-CA" sz="2400" dirty="0"/>
+              <a:t>Install R Studio. Choose default installation options.</a:t>
+            </a:r>
           </a:p>
         </p:txBody>
       </p:sp>
@@ -6338,10 +6208,9 @@
           <a:lstStyle/>
           <a:p>
             <a:r>
-              <a:rPr lang="en-US" dirty="0" smtClean="0"/>
+              <a:rPr lang="en-US" dirty="0"/>
               <a:t>Installation of JAGS</a:t>
             </a:r>
-            <a:endParaRPr lang="en-US" dirty="0"/>
           </a:p>
         </p:txBody>
       </p:sp>
@@ -6367,33 +6236,23 @@
               <a:t>Download </a:t>
             </a:r>
             <a:r>
-              <a:rPr lang="en-US" sz="2400" dirty="0" smtClean="0"/>
-              <a:t>JAGS </a:t>
-            </a:r>
-            <a:r>
               <a:rPr lang="en-US" sz="2400" dirty="0"/>
-              <a:t>from </a:t>
+              <a:t>JAGS from </a:t>
             </a:r>
             <a:r>
               <a:rPr lang="en-US" sz="2400" dirty="0">
                 <a:hlinkClick r:id="rId2"/>
               </a:rPr>
-              <a:t>https://sourceforge.net/projects/mcmc-jags/files</a:t>
-            </a:r>
-            <a:r>
-              <a:rPr lang="en-US" sz="2400" dirty="0" smtClean="0">
-                <a:hlinkClick r:id="rId2"/>
-              </a:rPr>
-              <a:t>/</a:t>
-            </a:r>
-            <a:r>
-              <a:rPr lang="en-US" sz="2400" dirty="0" smtClean="0"/>
+              <a:t>https://sourceforge.net/projects/mcmc-jags/files/</a:t>
+            </a:r>
+            <a:r>
+              <a:rPr lang="en-US" sz="2400" dirty="0"/>
               <a:t> </a:t>
             </a:r>
           </a:p>
           <a:p>
             <a:r>
-              <a:rPr lang="en-US" sz="2400" dirty="0" smtClean="0"/>
+              <a:rPr lang="en-US" sz="2400" dirty="0"/>
               <a:t>Click on Download latest version and install</a:t>
             </a:r>
             <a:endParaRPr lang="en-CA" sz="2400" dirty="0"/>
@@ -6448,10 +6307,9 @@
           <a:lstStyle/>
           <a:p>
             <a:r>
-              <a:rPr lang="en-US" dirty="0" smtClean="0"/>
+              <a:rPr lang="en-US" dirty="0"/>
               <a:t>Running NRS/RCT Meta-analysis in R</a:t>
             </a:r>
-            <a:endParaRPr lang="en-US" dirty="0"/>
           </a:p>
         </p:txBody>
       </p:sp>
@@ -6482,7 +6340,7 @@
               <a:buChar char="§"/>
             </a:pPr>
             <a:r>
-              <a:rPr lang="en-US" dirty="0" smtClean="0"/>
+              <a:rPr lang="en-US" dirty="0"/>
               <a:t>Step 1: Attach all necessary packages (provided in code) before proceeding further.</a:t>
             </a:r>
           </a:p>
@@ -6492,7 +6350,7 @@
               <a:buChar char="§"/>
             </a:pPr>
             <a:r>
-              <a:rPr lang="en-US" dirty="0" smtClean="0"/>
+              <a:rPr lang="en-US" dirty="0"/>
               <a:t>Step 2: Load data</a:t>
             </a:r>
           </a:p>
@@ -6502,7 +6360,7 @@
               <a:buChar char="§"/>
             </a:pPr>
             <a:r>
-              <a:rPr lang="en-US" dirty="0" smtClean="0"/>
+              <a:rPr lang="en-US" dirty="0"/>
               <a:t>Indicators for design type</a:t>
             </a:r>
           </a:p>
@@ -6512,7 +6370,7 @@
               <a:buChar char="§"/>
             </a:pPr>
             <a:r>
-              <a:rPr lang="en-US" dirty="0" smtClean="0"/>
+              <a:rPr lang="en-US" dirty="0"/>
               <a:t>Variance inflation</a:t>
             </a:r>
           </a:p>
@@ -6522,7 +6380,7 @@
               <a:buChar char="§"/>
             </a:pPr>
             <a:r>
-              <a:rPr lang="en-US" dirty="0" smtClean="0"/>
+              <a:rPr lang="en-US" dirty="0"/>
               <a:t>Bias adjustment</a:t>
             </a:r>
           </a:p>
@@ -6532,7 +6390,7 @@
               <a:buChar char="§"/>
             </a:pPr>
             <a:r>
-              <a:rPr lang="en-US" dirty="0" smtClean="0"/>
+              <a:rPr lang="en-US" dirty="0"/>
               <a:t>Step 3 (not shown): Data cleaning, initial visualizations</a:t>
             </a:r>
           </a:p>
@@ -6542,7 +6400,7 @@
               <a:buChar char="§"/>
             </a:pPr>
             <a:r>
-              <a:rPr lang="en-US" dirty="0" smtClean="0"/>
+              <a:rPr lang="en-US" dirty="0"/>
               <a:t>Step 4: Run analysis</a:t>
             </a:r>
           </a:p>
@@ -6590,7 +6448,7 @@
           <p:cNvPr id="4" name="Title 3">
             <a:extLst>
               <a:ext uri="{FF2B5EF4-FFF2-40B4-BE49-F238E27FC236}">
-                <a16:creationId xmlns:a16="http://schemas.microsoft.com/office/drawing/2014/main" xmlns="" id="{BFB5A100-BED5-4146-8F69-B700EAA35866}"/>
+                <a16:creationId xmlns:a16="http://schemas.microsoft.com/office/drawing/2014/main" id="{BFB5A100-BED5-4146-8F69-B700EAA35866}"/>
               </a:ext>
             </a:extLst>
           </p:cNvPr>
@@ -6607,10 +6465,9 @@
           <a:lstStyle/>
           <a:p>
             <a:r>
-              <a:rPr lang="en-CA" dirty="0" smtClean="0"/>
+              <a:rPr lang="en-CA" dirty="0"/>
               <a:t>Overview of JAGS Code</a:t>
             </a:r>
-            <a:endParaRPr lang="en-CA" dirty="0"/>
           </a:p>
         </p:txBody>
       </p:sp>
@@ -6660,10 +6517,9 @@
           <a:lstStyle/>
           <a:p>
             <a:r>
-              <a:rPr lang="en-US" dirty="0" smtClean="0"/>
+              <a:rPr lang="en-US" dirty="0"/>
               <a:t>Basic Meta-Analysis Code</a:t>
             </a:r>
-            <a:endParaRPr lang="en-US" dirty="0"/>
           </a:p>
         </p:txBody>
       </p:sp>
@@ -6701,13 +6557,6 @@
   <p:clrMapOvr>
     <a:masterClrMapping/>
   </p:clrMapOvr>
-  <p:timing>
-    <p:tnLst>
-      <p:par>
-        <p:cTn id="1" dur="indefinite" restart="never" nodeType="tmRoot"/>
-      </p:par>
-    </p:tnLst>
-  </p:timing>
 </p:sld>
 </file>
 
@@ -6744,10 +6593,9 @@
           <a:lstStyle/>
           <a:p>
             <a:r>
-              <a:rPr lang="en-US" dirty="0" smtClean="0"/>
+              <a:rPr lang="en-US" dirty="0"/>
               <a:t>Basic Meta-Analysis Code</a:t>
             </a:r>
-            <a:endParaRPr lang="en-US" dirty="0"/>
           </a:p>
         </p:txBody>
       </p:sp>
@@ -6845,10 +6693,9 @@
           <a:lstStyle/>
           <a:p>
             <a:r>
-              <a:rPr lang="en-US" dirty="0" smtClean="0"/>
+              <a:rPr lang="en-US" dirty="0"/>
               <a:t>Linear predictor</a:t>
             </a:r>
-            <a:endParaRPr lang="en-US" dirty="0"/>
           </a:p>
         </p:txBody>
       </p:sp>
@@ -6862,13 +6709,6 @@
   <p:clrMapOvr>
     <a:masterClrMapping/>
   </p:clrMapOvr>
-  <p:timing>
-    <p:tnLst>
-      <p:par>
-        <p:cTn id="1" dur="indefinite" restart="never" nodeType="tmRoot"/>
-      </p:par>
-    </p:tnLst>
-  </p:timing>
 </p:sld>
 </file>
 
@@ -6905,10 +6745,9 @@
           <a:lstStyle/>
           <a:p>
             <a:r>
-              <a:rPr lang="en-US" dirty="0" smtClean="0"/>
+              <a:rPr lang="en-US" dirty="0"/>
               <a:t>Basic Meta-Analysis Code</a:t>
             </a:r>
-            <a:endParaRPr lang="en-US" dirty="0"/>
           </a:p>
         </p:txBody>
       </p:sp>
@@ -7006,10 +6845,9 @@
           <a:lstStyle/>
           <a:p>
             <a:r>
-              <a:rPr lang="en-US" dirty="0" smtClean="0"/>
+              <a:rPr lang="en-US" dirty="0"/>
               <a:t>Random effect</a:t>
             </a:r>
-            <a:endParaRPr lang="en-US" dirty="0"/>
           </a:p>
         </p:txBody>
       </p:sp>
@@ -7023,13 +6861,6 @@
   <p:clrMapOvr>
     <a:masterClrMapping/>
   </p:clrMapOvr>
-  <p:timing>
-    <p:tnLst>
-      <p:par>
-        <p:cTn id="1" dur="indefinite" restart="never" nodeType="tmRoot"/>
-      </p:par>
-    </p:tnLst>
-  </p:timing>
 </p:sld>
 </file>
 
